--- a/Presentation/Presentation.pptx
+++ b/Presentation/Presentation.pptx
@@ -366,7 +366,7 @@
           <a:p>
             <a:fld id="{9184DA70-C731-4C70-880D-CCD4705E623C}" type="datetime1">
               <a:rPr lang="en-US" smtClean="0"/>
-              <a:t>10-Dec-24</a:t>
+              <a:t>12/10/2024</a:t>
             </a:fld>
             <a:endParaRPr lang="en-US" dirty="0"/>
           </a:p>
@@ -554,7 +554,7 @@
           <a:p>
             <a:fld id="{4BE1D723-8F53-4F53-90B0-1982A396982E}" type="datetime1">
               <a:rPr lang="en-US" smtClean="0"/>
-              <a:t>10-Dec-24</a:t>
+              <a:t>12/10/2024</a:t>
             </a:fld>
             <a:endParaRPr lang="en-US" dirty="0"/>
           </a:p>
@@ -927,7 +927,7 @@
           <a:p>
             <a:fld id="{97669AF7-7BEB-44E4-9852-375E34362B5B}" type="datetime1">
               <a:rPr lang="en-US" smtClean="0"/>
-              <a:t>10-Dec-24</a:t>
+              <a:t>12/10/2024</a:t>
             </a:fld>
             <a:endParaRPr lang="en-US" dirty="0"/>
           </a:p>
@@ -1182,7 +1182,7 @@
           <a:p>
             <a:fld id="{BAAAC38D-0552-4C82-B593-E6124DFADBE2}" type="datetime1">
               <a:rPr lang="en-US" smtClean="0"/>
-              <a:t>10-Dec-24</a:t>
+              <a:t>12/10/2024</a:t>
             </a:fld>
             <a:endParaRPr lang="en-US" dirty="0"/>
           </a:p>
@@ -1579,7 +1579,7 @@
           <a:p>
             <a:fld id="{D9DF0F1C-5577-4ACB-BB62-DF8F3C494C7E}" type="datetime1">
               <a:rPr lang="en-US" smtClean="0"/>
-              <a:t>10-Dec-24</a:t>
+              <a:t>12/10/2024</a:t>
             </a:fld>
             <a:endParaRPr lang="en-US" dirty="0"/>
           </a:p>
@@ -1715,7 +1715,7 @@
           <a:p>
             <a:fld id="{1775B394-D9F9-4F0C-B15D-605F45CB9E9F}" type="datetime1">
               <a:rPr lang="en-US" smtClean="0"/>
-              <a:t>10-Dec-24</a:t>
+              <a:t>12/10/2024</a:t>
             </a:fld>
             <a:endParaRPr lang="en-US" dirty="0"/>
           </a:p>
@@ -1872,7 +1872,7 @@
           <a:p>
             <a:fld id="{39667345-2558-425A-8533-9BFDBCE15005}" type="datetime1">
               <a:rPr lang="en-US" smtClean="0"/>
-              <a:t>10-Dec-24</a:t>
+              <a:t>12/10/2024</a:t>
             </a:fld>
             <a:endParaRPr lang="en-US" dirty="0"/>
           </a:p>
@@ -2201,7 +2201,7 @@
           <a:p>
             <a:fld id="{92BEA474-078D-4E9B-9B14-09A87B19DC46}" type="datetime1">
               <a:rPr lang="en-US" smtClean="0"/>
-              <a:t>10-Dec-24</a:t>
+              <a:t>12/10/2024</a:t>
             </a:fld>
             <a:endParaRPr lang="en-US" dirty="0"/>
           </a:p>
@@ -2551,7 +2551,7 @@
           <a:p>
             <a:fld id="{4907D986-8816-4272-A432-0437A28A9828}" type="datetime1">
               <a:rPr lang="en-US" smtClean="0"/>
-              <a:t>10-Dec-24</a:t>
+              <a:t>12/10/2024</a:t>
             </a:fld>
             <a:endParaRPr lang="en-US" dirty="0"/>
           </a:p>
@@ -2812,7 +2812,7 @@
           <a:p>
             <a:fld id="{62D6E202-B606-4609-B914-27C9371A1F6D}" type="datetime1">
               <a:rPr lang="en-US" smtClean="0"/>
-              <a:t>10-Dec-24</a:t>
+              <a:t>12/10/2024</a:t>
             </a:fld>
             <a:endParaRPr lang="en-US" dirty="0"/>
           </a:p>
@@ -3785,6 +3785,13 @@
             <a:schemeClr val="lt1"/>
           </a:fontRef>
         </p:style>
+        <p:txBody>
+          <a:bodyPr/>
+          <a:lstStyle/>
+          <a:p>
+            <a:endParaRPr lang="el-GR"/>
+          </a:p>
+        </p:txBody>
       </p:sp>
     </p:spTree>
     <p:extLst>
@@ -4236,7 +4243,7 @@
         </p:nvPicPr>
         <p:blipFill>
           <a:blip r:embed="rId2"/>
-          <a:srcRect l="23639" t="24377" r="24765" b="24357"/>
+          <a:srcRect l="3703" r="3703"/>
           <a:stretch/>
         </p:blipFill>
         <p:spPr>
@@ -5455,6 +5462,15 @@
 </file>
 
 <file path=customXml/item1.xml><?xml version="1.0" encoding="utf-8"?>
+<?mso-contentType ?>
+<FormTemplates xmlns="http://schemas.microsoft.com/sharepoint/v3/contenttype/forms">
+  <Display>DocumentLibraryForm</Display>
+  <Edit>DocumentLibraryForm</Edit>
+  <New>DocumentLibraryForm</New>
+</FormTemplates>
+</file>
+
+<file path=customXml/item2.xml><?xml version="1.0" encoding="utf-8"?>
 <p:properties xmlns:p="http://schemas.microsoft.com/office/2006/metadata/properties" xmlns:xsi="http://www.w3.org/2001/XMLSchema-instance" xmlns:pc="http://schemas.microsoft.com/office/infopath/2007/PartnerControls">
   <documentManagement>
     <Status xmlns="71af3243-3dd4-4a8d-8c0d-dd76da1f02a5">Not started</Status>
@@ -5472,15 +5488,6 @@
     <TaxCatchAll xmlns="230e9df3-be65-4c73-a93b-d1236ebd677e" xsi:nil="true"/>
   </documentManagement>
 </p:properties>
-</file>
-
-<file path=customXml/item2.xml><?xml version="1.0" encoding="utf-8"?>
-<?mso-contentType ?>
-<FormTemplates xmlns="http://schemas.microsoft.com/sharepoint/v3/contenttype/forms">
-  <Display>DocumentLibraryForm</Display>
-  <Edit>DocumentLibraryForm</Edit>
-  <New>DocumentLibraryForm</New>
-</FormTemplates>
 </file>
 
 <file path=customXml/item3.xml><?xml version="1.0" encoding="utf-8"?>
@@ -5790,21 +5797,28 @@
 </file>
 
 <file path=customXml/itemProps1.xml><?xml version="1.0" encoding="utf-8"?>
-<ds:datastoreItem xmlns:ds="http://schemas.openxmlformats.org/officeDocument/2006/customXml" ds:itemID="{A03EEFF0-FB57-4CB4-8BFC-DF397689E2ED}">
+<ds:datastoreItem xmlns:ds="http://schemas.openxmlformats.org/officeDocument/2006/customXml" ds:itemID="{AA3F7EDC-E5B4-4BBC-9D2A-CBE6D46C37AD}">
   <ds:schemaRefs>
-    <ds:schemaRef ds:uri="http://schemas.microsoft.com/office/2006/metadata/properties"/>
-    <ds:schemaRef ds:uri="http://schemas.microsoft.com/office/infopath/2007/PartnerControls"/>
-    <ds:schemaRef ds:uri="71af3243-3dd4-4a8d-8c0d-dd76da1f02a5"/>
-    <ds:schemaRef ds:uri="http://schemas.microsoft.com/sharepoint/v3"/>
-    <ds:schemaRef ds:uri="230e9df3-be65-4c73-a93b-d1236ebd677e"/>
+    <ds:schemaRef ds:uri="http://schemas.microsoft.com/sharepoint/v3/contenttype/forms"/>
   </ds:schemaRefs>
 </ds:datastoreItem>
 </file>
 
 <file path=customXml/itemProps2.xml><?xml version="1.0" encoding="utf-8"?>
-<ds:datastoreItem xmlns:ds="http://schemas.openxmlformats.org/officeDocument/2006/customXml" ds:itemID="{AA3F7EDC-E5B4-4BBC-9D2A-CBE6D46C37AD}">
+<ds:datastoreItem xmlns:ds="http://schemas.openxmlformats.org/officeDocument/2006/customXml" ds:itemID="{A03EEFF0-FB57-4CB4-8BFC-DF397689E2ED}">
   <ds:schemaRefs>
-    <ds:schemaRef ds:uri="http://schemas.microsoft.com/sharepoint/v3/contenttype/forms"/>
+    <ds:schemaRef ds:uri="http://schemas.openxmlformats.org/package/2006/metadata/core-properties"/>
+    <ds:schemaRef ds:uri="http://schemas.microsoft.com/office/2006/metadata/properties"/>
+    <ds:schemaRef ds:uri="71af3243-3dd4-4a8d-8c0d-dd76da1f02a5"/>
+    <ds:schemaRef ds:uri="http://schemas.microsoft.com/office/2006/documentManagement/types"/>
+    <ds:schemaRef ds:uri="http://purl.org/dc/terms/"/>
+    <ds:schemaRef ds:uri="http://purl.org/dc/elements/1.1/"/>
+    <ds:schemaRef ds:uri="http://purl.org/dc/dcmitype/"/>
+    <ds:schemaRef ds:uri="http://schemas.microsoft.com/office/infopath/2007/PartnerControls"/>
+    <ds:schemaRef ds:uri="http://schemas.microsoft.com/sharepoint/v3"/>
+    <ds:schemaRef ds:uri="16c05727-aa75-4e4a-9b5f-8a80a1165891"/>
+    <ds:schemaRef ds:uri="230e9df3-be65-4c73-a93b-d1236ebd677e"/>
+    <ds:schemaRef ds:uri="http://www.w3.org/XML/1998/namespace"/>
   </ds:schemaRefs>
 </ds:datastoreItem>
 </file>
